--- a/inst/ubinc/templates/report.pptx
+++ b/inst/ubinc/templates/report.pptx
@@ -211,7 +211,7 @@
           <a:p>
             <a:fld id="{1B656253-81D4-504C-9F22-C43A5586B7F8}" type="datetimeFigureOut">
               <a:rPr lang="en-US" smtClean="0"/>
-              <a:t>7/21/19</a:t>
+              <a:t>12/27/20</a:t>
             </a:fld>
             <a:endParaRPr lang="en-US"/>
           </a:p>
@@ -377,7 +377,7 @@
           <a:p>
             <a:fld id="{EEA38B4D-A065-A048-981C-DE16882AB0B1}" type="datetimeFigureOut">
               <a:rPr lang="en-US" smtClean="0"/>
-              <a:t>7/21/19</a:t>
+              <a:t>12/27/20</a:t>
             </a:fld>
             <a:endParaRPr lang="en-US"/>
           </a:p>
@@ -897,6 +897,180 @@
 
 <file path=ppt/slideLayouts/slideLayout10.xml><?xml version="1.0" encoding="utf-8"?>
 <p:sldLayout xmlns:a="http://schemas.openxmlformats.org/drawingml/2006/main" xmlns:r="http://schemas.openxmlformats.org/officeDocument/2006/relationships" xmlns:p="http://schemas.openxmlformats.org/presentationml/2006/main" preserve="1" userDrawn="1">
+  <p:cSld name="title_only">
+    <p:spTree>
+      <p:nvGrpSpPr>
+        <p:cNvPr id="1" name=""/>
+        <p:cNvGrpSpPr/>
+        <p:nvPr/>
+      </p:nvGrpSpPr>
+      <p:grpSpPr>
+        <a:xfrm>
+          <a:off x="0" y="0"/>
+          <a:ext cx="0" cy="0"/>
+          <a:chOff x="0" y="0"/>
+          <a:chExt cx="0" cy="0"/>
+        </a:xfrm>
+      </p:grpSpPr>
+      <p:pic>
+        <p:nvPicPr>
+          <p:cNvPr id="6" name="Picture 5" descr="slide_background_tall.png"/>
+          <p:cNvPicPr>
+            <a:picLocks noChangeAspect="1"/>
+          </p:cNvPicPr>
+          <p:nvPr userDrawn="1"/>
+        </p:nvPicPr>
+        <p:blipFill>
+          <a:blip r:embed="rId2">
+            <a:extLst>
+              <a:ext uri="{28A0092B-C50C-407E-A947-70E740481C1C}">
+                <a14:useLocalDpi xmlns:a14="http://schemas.microsoft.com/office/drawing/2010/main" val="0"/>
+              </a:ext>
+            </a:extLst>
+          </a:blip>
+          <a:stretch>
+            <a:fillRect/>
+          </a:stretch>
+        </p:blipFill>
+        <p:spPr>
+          <a:xfrm>
+            <a:off x="0" y="-27384"/>
+            <a:ext cx="9144000" cy="1493881"/>
+          </a:xfrm>
+          <a:prstGeom prst="rect">
+            <a:avLst/>
+          </a:prstGeom>
+        </p:spPr>
+      </p:pic>
+      <p:sp>
+        <p:nvSpPr>
+          <p:cNvPr id="2" name="Title 1"/>
+          <p:cNvSpPr>
+            <a:spLocks noGrp="1"/>
+          </p:cNvSpPr>
+          <p:nvPr>
+            <p:ph type="title"/>
+          </p:nvPr>
+        </p:nvSpPr>
+        <p:spPr/>
+        <p:txBody>
+          <a:bodyPr/>
+          <a:lstStyle>
+            <a:lvl1pPr>
+              <a:lnSpc>
+                <a:spcPct val="80000"/>
+              </a:lnSpc>
+              <a:defRPr/>
+            </a:lvl1pPr>
+          </a:lstStyle>
+          <a:p>
+            <a:r>
+              <a:rPr lang="en-US" dirty="0"/>
+              <a:t>Click to edit Master title style</a:t>
+            </a:r>
+            <a:endParaRPr lang="en-GB" dirty="0"/>
+          </a:p>
+        </p:txBody>
+      </p:sp>
+      <p:sp>
+        <p:nvSpPr>
+          <p:cNvPr id="3" name="Date Placeholder 2"/>
+          <p:cNvSpPr>
+            <a:spLocks noGrp="1"/>
+          </p:cNvSpPr>
+          <p:nvPr>
+            <p:ph type="dt" sz="half" idx="10"/>
+          </p:nvPr>
+        </p:nvSpPr>
+        <p:spPr>
+          <a:xfrm>
+            <a:off x="251520" y="6356350"/>
+            <a:ext cx="720080" cy="365125"/>
+          </a:xfrm>
+        </p:spPr>
+        <p:txBody>
+          <a:bodyPr/>
+          <a:lstStyle/>
+          <a:p>
+            <a:fld id="{D871C1FE-9025-5C49-BA5C-C24D6151D8FF}" type="datetime1">
+              <a:rPr lang="en-US" smtClean="0"/>
+              <a:t>12/27/20</a:t>
+            </a:fld>
+            <a:endParaRPr lang="en-GB"/>
+          </a:p>
+        </p:txBody>
+      </p:sp>
+      <p:sp>
+        <p:nvSpPr>
+          <p:cNvPr id="4" name="Footer Placeholder 3"/>
+          <p:cNvSpPr>
+            <a:spLocks noGrp="1"/>
+          </p:cNvSpPr>
+          <p:nvPr>
+            <p:ph type="ftr" sz="quarter" idx="11"/>
+          </p:nvPr>
+        </p:nvSpPr>
+        <p:spPr>
+          <a:xfrm>
+            <a:off x="1043608" y="6356350"/>
+            <a:ext cx="7056784" cy="365125"/>
+          </a:xfrm>
+        </p:spPr>
+        <p:txBody>
+          <a:bodyPr/>
+          <a:lstStyle>
+            <a:lvl1pPr algn="l">
+              <a:defRPr/>
+            </a:lvl1pPr>
+          </a:lstStyle>
+          <a:p>
+            <a:endParaRPr lang="en-GB" dirty="0"/>
+          </a:p>
+        </p:txBody>
+      </p:sp>
+      <p:sp>
+        <p:nvSpPr>
+          <p:cNvPr id="5" name="Slide Number Placeholder 4"/>
+          <p:cNvSpPr>
+            <a:spLocks noGrp="1"/>
+          </p:cNvSpPr>
+          <p:nvPr>
+            <p:ph type="sldNum" sz="quarter" idx="12"/>
+          </p:nvPr>
+        </p:nvSpPr>
+        <p:spPr>
+          <a:xfrm>
+            <a:off x="8172400" y="6356350"/>
+            <a:ext cx="720080" cy="365125"/>
+          </a:xfrm>
+        </p:spPr>
+        <p:txBody>
+          <a:bodyPr/>
+          <a:lstStyle/>
+          <a:p>
+            <a:fld id="{8DADB20D-508E-4C6D-A9E4-257D5607B0F6}" type="slidenum">
+              <a:rPr lang="en-GB" smtClean="0"/>
+              <a:t>‹#›</a:t>
+            </a:fld>
+            <a:endParaRPr lang="en-GB"/>
+          </a:p>
+        </p:txBody>
+      </p:sp>
+    </p:spTree>
+    <p:extLst>
+      <p:ext uri="{BB962C8B-B14F-4D97-AF65-F5344CB8AC3E}">
+        <p14:creationId xmlns:p14="http://schemas.microsoft.com/office/powerpoint/2010/main" val="1385807973"/>
+      </p:ext>
+    </p:extLst>
+  </p:cSld>
+  <p:clrMapOvr>
+    <a:masterClrMapping/>
+  </p:clrMapOvr>
+</p:sldLayout>
+</file>
+
+<file path=ppt/slideLayouts/slideLayout11.xml><?xml version="1.0" encoding="utf-8"?>
+<p:sldLayout xmlns:a="http://schemas.openxmlformats.org/drawingml/2006/main" xmlns:r="http://schemas.openxmlformats.org/officeDocument/2006/relationships" xmlns:p="http://schemas.openxmlformats.org/presentationml/2006/main" preserve="1" userDrawn="1">
   <p:cSld name="blank">
     <p:spTree>
       <p:nvGrpSpPr>
@@ -934,7 +1108,7 @@
           <a:p>
             <a:fld id="{52BA1850-337E-7747-91FB-64B4051995E4}" type="datetime1">
               <a:rPr lang="en-US" smtClean="0"/>
-              <a:t>7/21/19</a:t>
+              <a:t>12/27/20</a:t>
             </a:fld>
             <a:endParaRPr lang="en-GB"/>
           </a:p>
@@ -1194,7 +1368,7 @@
           <a:p>
             <a:fld id="{AA0DAA0C-97E8-DA4A-9975-EC4E464C2F40}" type="datetime1">
               <a:rPr lang="en-US" smtClean="0"/>
-              <a:t>7/21/19</a:t>
+              <a:t>12/27/20</a:t>
             </a:fld>
             <a:endParaRPr lang="en-GB"/>
           </a:p>
@@ -1541,7 +1715,7 @@
           <a:p>
             <a:fld id="{AA0DAA0C-97E8-DA4A-9975-EC4E464C2F40}" type="datetime1">
               <a:rPr lang="en-US" smtClean="0"/>
-              <a:t>7/21/19</a:t>
+              <a:t>12/27/20</a:t>
             </a:fld>
             <a:endParaRPr lang="en-GB"/>
           </a:p>
@@ -2234,7 +2408,7 @@
           <a:p>
             <a:fld id="{04A76F9C-33B6-4248-95F4-E755A51BE64F}" type="datetime1">
               <a:rPr lang="en-US" smtClean="0"/>
-              <a:t>7/21/19</a:t>
+              <a:t>12/27/20</a:t>
             </a:fld>
             <a:endParaRPr lang="en-GB"/>
           </a:p>
@@ -2629,6 +2803,589 @@
           </a:prstGeom>
         </p:spPr>
         <p:txBody>
+          <a:bodyPr/>
+          <a:lstStyle>
+            <a:lvl1pPr>
+              <a:buNone/>
+              <a:defRPr sz="2800"/>
+            </a:lvl1pPr>
+            <a:lvl2pPr>
+              <a:buNone/>
+              <a:defRPr sz="2400"/>
+            </a:lvl2pPr>
+            <a:lvl3pPr>
+              <a:buNone/>
+              <a:defRPr sz="2000"/>
+            </a:lvl3pPr>
+            <a:lvl4pPr>
+              <a:buNone/>
+              <a:defRPr sz="1800"/>
+            </a:lvl4pPr>
+            <a:lvl5pPr>
+              <a:buNone/>
+              <a:defRPr sz="1800"/>
+            </a:lvl5pPr>
+            <a:lvl6pPr>
+              <a:defRPr sz="1800"/>
+            </a:lvl6pPr>
+            <a:lvl7pPr>
+              <a:defRPr sz="1800"/>
+            </a:lvl7pPr>
+            <a:lvl8pPr>
+              <a:defRPr sz="1800"/>
+            </a:lvl8pPr>
+            <a:lvl9pPr>
+              <a:defRPr sz="1800"/>
+            </a:lvl9pPr>
+          </a:lstStyle>
+          <a:p>
+            <a:pPr lvl="0"/>
+            <a:r>
+              <a:rPr lang="en-US"/>
+              <a:t>Click to edit Master text styles</a:t>
+            </a:r>
+          </a:p>
+          <a:p>
+            <a:pPr lvl="1"/>
+            <a:r>
+              <a:rPr lang="en-US"/>
+              <a:t>Second level</a:t>
+            </a:r>
+          </a:p>
+          <a:p>
+            <a:pPr lvl="2"/>
+            <a:r>
+              <a:rPr lang="en-US"/>
+              <a:t>Third level</a:t>
+            </a:r>
+          </a:p>
+          <a:p>
+            <a:pPr lvl="3"/>
+            <a:r>
+              <a:rPr lang="en-US"/>
+              <a:t>Fourth level</a:t>
+            </a:r>
+          </a:p>
+          <a:p>
+            <a:pPr lvl="4"/>
+            <a:r>
+              <a:rPr lang="en-US"/>
+              <a:t>Fifth level</a:t>
+            </a:r>
+            <a:endParaRPr lang="en-GB"/>
+          </a:p>
+        </p:txBody>
+      </p:sp>
+      <p:sp>
+        <p:nvSpPr>
+          <p:cNvPr id="4" name="Content Placeholder 3"/>
+          <p:cNvSpPr>
+            <a:spLocks noGrp="1"/>
+          </p:cNvSpPr>
+          <p:nvPr>
+            <p:ph sz="half" idx="2"/>
+          </p:nvPr>
+        </p:nvSpPr>
+        <p:spPr>
+          <a:xfrm>
+            <a:off x="4648200" y="2204864"/>
+            <a:ext cx="4244280" cy="4032448"/>
+          </a:xfrm>
+          <a:prstGeom prst="rect">
+            <a:avLst/>
+          </a:prstGeom>
+        </p:spPr>
+        <p:txBody>
+          <a:bodyPr/>
+          <a:lstStyle>
+            <a:lvl1pPr>
+              <a:buNone/>
+              <a:defRPr sz="2800"/>
+            </a:lvl1pPr>
+            <a:lvl2pPr>
+              <a:buNone/>
+              <a:defRPr sz="2400"/>
+            </a:lvl2pPr>
+            <a:lvl3pPr>
+              <a:buNone/>
+              <a:defRPr sz="2000"/>
+            </a:lvl3pPr>
+            <a:lvl4pPr>
+              <a:buNone/>
+              <a:defRPr sz="1800"/>
+            </a:lvl4pPr>
+            <a:lvl5pPr>
+              <a:buNone/>
+              <a:defRPr sz="1800"/>
+            </a:lvl5pPr>
+            <a:lvl6pPr>
+              <a:defRPr sz="1800"/>
+            </a:lvl6pPr>
+            <a:lvl7pPr>
+              <a:defRPr sz="1800"/>
+            </a:lvl7pPr>
+            <a:lvl8pPr>
+              <a:defRPr sz="1800"/>
+            </a:lvl8pPr>
+            <a:lvl9pPr>
+              <a:defRPr sz="1800"/>
+            </a:lvl9pPr>
+          </a:lstStyle>
+          <a:p>
+            <a:pPr lvl="0"/>
+            <a:r>
+              <a:rPr lang="en-US" dirty="0"/>
+              <a:t>Click to edit Master text styles</a:t>
+            </a:r>
+          </a:p>
+          <a:p>
+            <a:pPr lvl="1"/>
+            <a:r>
+              <a:rPr lang="en-US" dirty="0"/>
+              <a:t>Second level</a:t>
+            </a:r>
+          </a:p>
+          <a:p>
+            <a:pPr lvl="2"/>
+            <a:r>
+              <a:rPr lang="en-US" dirty="0"/>
+              <a:t>Third level</a:t>
+            </a:r>
+          </a:p>
+          <a:p>
+            <a:pPr lvl="3"/>
+            <a:r>
+              <a:rPr lang="en-US" dirty="0"/>
+              <a:t>Fourth level</a:t>
+            </a:r>
+          </a:p>
+          <a:p>
+            <a:pPr lvl="4"/>
+            <a:r>
+              <a:rPr lang="en-US" dirty="0"/>
+              <a:t>Fifth level</a:t>
+            </a:r>
+            <a:endParaRPr lang="en-GB" dirty="0"/>
+          </a:p>
+        </p:txBody>
+      </p:sp>
+      <p:sp>
+        <p:nvSpPr>
+          <p:cNvPr id="5" name="Date Placeholder 4"/>
+          <p:cNvSpPr>
+            <a:spLocks noGrp="1"/>
+          </p:cNvSpPr>
+          <p:nvPr>
+            <p:ph type="dt" sz="half" idx="10"/>
+          </p:nvPr>
+        </p:nvSpPr>
+        <p:spPr>
+          <a:xfrm>
+            <a:off x="251520" y="6356350"/>
+            <a:ext cx="720080" cy="365125"/>
+          </a:xfrm>
+        </p:spPr>
+        <p:txBody>
+          <a:bodyPr/>
+          <a:lstStyle/>
+          <a:p>
+            <a:fld id="{04A76F9C-33B6-4248-95F4-E755A51BE64F}" type="datetime1">
+              <a:rPr lang="en-US" smtClean="0"/>
+              <a:t>12/27/20</a:t>
+            </a:fld>
+            <a:endParaRPr lang="en-GB"/>
+          </a:p>
+        </p:txBody>
+      </p:sp>
+      <p:sp>
+        <p:nvSpPr>
+          <p:cNvPr id="6" name="Footer Placeholder 5"/>
+          <p:cNvSpPr>
+            <a:spLocks noGrp="1"/>
+          </p:cNvSpPr>
+          <p:nvPr>
+            <p:ph type="ftr" sz="quarter" idx="11"/>
+          </p:nvPr>
+        </p:nvSpPr>
+        <p:spPr>
+          <a:xfrm>
+            <a:off x="1043608" y="6356350"/>
+            <a:ext cx="7056784" cy="365125"/>
+          </a:xfrm>
+        </p:spPr>
+        <p:txBody>
+          <a:bodyPr/>
+          <a:lstStyle>
+            <a:lvl1pPr algn="l">
+              <a:defRPr/>
+            </a:lvl1pPr>
+          </a:lstStyle>
+          <a:p>
+            <a:endParaRPr lang="en-GB" dirty="0"/>
+          </a:p>
+        </p:txBody>
+      </p:sp>
+      <p:sp>
+        <p:nvSpPr>
+          <p:cNvPr id="7" name="Slide Number Placeholder 6"/>
+          <p:cNvSpPr>
+            <a:spLocks noGrp="1"/>
+          </p:cNvSpPr>
+          <p:nvPr>
+            <p:ph type="sldNum" sz="quarter" idx="12"/>
+          </p:nvPr>
+        </p:nvSpPr>
+        <p:spPr>
+          <a:xfrm>
+            <a:off x="8172400" y="6356350"/>
+            <a:ext cx="720080" cy="365125"/>
+          </a:xfrm>
+        </p:spPr>
+        <p:txBody>
+          <a:bodyPr/>
+          <a:lstStyle/>
+          <a:p>
+            <a:fld id="{8DADB20D-508E-4C6D-A9E4-257D5607B0F6}" type="slidenum">
+              <a:rPr lang="en-GB" smtClean="0"/>
+              <a:t>‹#›</a:t>
+            </a:fld>
+            <a:endParaRPr lang="en-GB"/>
+          </a:p>
+        </p:txBody>
+      </p:sp>
+      <p:sp>
+        <p:nvSpPr>
+          <p:cNvPr id="10" name="Content Placeholder 10"/>
+          <p:cNvSpPr>
+            <a:spLocks noGrp="1"/>
+          </p:cNvSpPr>
+          <p:nvPr>
+            <p:ph sz="quarter" idx="13"/>
+          </p:nvPr>
+        </p:nvSpPr>
+        <p:spPr>
+          <a:xfrm>
+            <a:off x="251521" y="1038424"/>
+            <a:ext cx="8640960" cy="360362"/>
+          </a:xfrm>
+          <a:prstGeom prst="rect">
+            <a:avLst/>
+          </a:prstGeom>
+        </p:spPr>
+        <p:txBody>
+          <a:bodyPr>
+            <a:noAutofit/>
+          </a:bodyPr>
+          <a:lstStyle>
+            <a:lvl1pPr marL="0" indent="0">
+              <a:buNone/>
+              <a:defRPr sz="2400"/>
+            </a:lvl1pPr>
+            <a:lvl2pPr marL="457200" indent="0">
+              <a:buNone/>
+              <a:defRPr sz="2000"/>
+            </a:lvl2pPr>
+            <a:lvl3pPr marL="914400" indent="0">
+              <a:buNone/>
+              <a:defRPr sz="1800"/>
+            </a:lvl3pPr>
+            <a:lvl4pPr marL="1371600" indent="0">
+              <a:buNone/>
+              <a:defRPr sz="1600"/>
+            </a:lvl4pPr>
+            <a:lvl5pPr marL="1828800" indent="0">
+              <a:buNone/>
+              <a:defRPr sz="1600"/>
+            </a:lvl5pPr>
+          </a:lstStyle>
+          <a:p>
+            <a:pPr lvl="0"/>
+            <a:r>
+              <a:rPr lang="en-US" dirty="0"/>
+              <a:t>Click to edit Master text styles</a:t>
+            </a:r>
+          </a:p>
+          <a:p>
+            <a:pPr lvl="1"/>
+            <a:r>
+              <a:rPr lang="en-US" dirty="0"/>
+              <a:t>Second level</a:t>
+            </a:r>
+          </a:p>
+          <a:p>
+            <a:pPr lvl="2"/>
+            <a:r>
+              <a:rPr lang="en-US" dirty="0"/>
+              <a:t>Third level</a:t>
+            </a:r>
+          </a:p>
+          <a:p>
+            <a:pPr lvl="3"/>
+            <a:r>
+              <a:rPr lang="en-US" dirty="0"/>
+              <a:t>Fourth level</a:t>
+            </a:r>
+          </a:p>
+          <a:p>
+            <a:pPr lvl="4"/>
+            <a:r>
+              <a:rPr lang="en-US" dirty="0"/>
+              <a:t>Fifth level</a:t>
+            </a:r>
+          </a:p>
+        </p:txBody>
+      </p:sp>
+      <p:sp>
+        <p:nvSpPr>
+          <p:cNvPr id="11" name="Text Placeholder 2"/>
+          <p:cNvSpPr>
+            <a:spLocks noGrp="1"/>
+          </p:cNvSpPr>
+          <p:nvPr>
+            <p:ph type="body" idx="14"/>
+          </p:nvPr>
+        </p:nvSpPr>
+        <p:spPr>
+          <a:xfrm>
+            <a:off x="251520" y="1535113"/>
+            <a:ext cx="4245868" cy="639762"/>
+          </a:xfrm>
+          <a:prstGeom prst="rect">
+            <a:avLst/>
+          </a:prstGeom>
+        </p:spPr>
+        <p:txBody>
+          <a:bodyPr anchor="b"/>
+          <a:lstStyle>
+            <a:lvl1pPr marL="0" indent="0">
+              <a:buNone/>
+              <a:defRPr sz="2400" b="1"/>
+            </a:lvl1pPr>
+            <a:lvl2pPr marL="457200" indent="0">
+              <a:buNone/>
+              <a:defRPr sz="2000" b="1"/>
+            </a:lvl2pPr>
+            <a:lvl3pPr marL="914400" indent="0">
+              <a:buNone/>
+              <a:defRPr sz="1800" b="1"/>
+            </a:lvl3pPr>
+            <a:lvl4pPr marL="1371600" indent="0">
+              <a:buNone/>
+              <a:defRPr sz="1600" b="1"/>
+            </a:lvl4pPr>
+            <a:lvl5pPr marL="1828800" indent="0">
+              <a:buNone/>
+              <a:defRPr sz="1600" b="1"/>
+            </a:lvl5pPr>
+            <a:lvl6pPr marL="2286000" indent="0">
+              <a:buNone/>
+              <a:defRPr sz="1600" b="1"/>
+            </a:lvl6pPr>
+            <a:lvl7pPr marL="2743200" indent="0">
+              <a:buNone/>
+              <a:defRPr sz="1600" b="1"/>
+            </a:lvl7pPr>
+            <a:lvl8pPr marL="3200400" indent="0">
+              <a:buNone/>
+              <a:defRPr sz="1600" b="1"/>
+            </a:lvl8pPr>
+            <a:lvl9pPr marL="3657600" indent="0">
+              <a:buNone/>
+              <a:defRPr sz="1600" b="1"/>
+            </a:lvl9pPr>
+          </a:lstStyle>
+          <a:p>
+            <a:pPr lvl="0"/>
+            <a:r>
+              <a:rPr lang="en-US" dirty="0"/>
+              <a:t>Click to edit Master text styles</a:t>
+            </a:r>
+          </a:p>
+        </p:txBody>
+      </p:sp>
+      <p:sp>
+        <p:nvSpPr>
+          <p:cNvPr id="12" name="Text Placeholder 4"/>
+          <p:cNvSpPr>
+            <a:spLocks noGrp="1"/>
+          </p:cNvSpPr>
+          <p:nvPr>
+            <p:ph type="body" sz="quarter" idx="3"/>
+          </p:nvPr>
+        </p:nvSpPr>
+        <p:spPr>
+          <a:xfrm>
+            <a:off x="4645025" y="1535113"/>
+            <a:ext cx="4247455" cy="639762"/>
+          </a:xfrm>
+          <a:prstGeom prst="rect">
+            <a:avLst/>
+          </a:prstGeom>
+        </p:spPr>
+        <p:txBody>
+          <a:bodyPr anchor="b"/>
+          <a:lstStyle>
+            <a:lvl1pPr marL="0" indent="0">
+              <a:buNone/>
+              <a:defRPr sz="2400" b="1"/>
+            </a:lvl1pPr>
+            <a:lvl2pPr marL="457200" indent="0">
+              <a:buNone/>
+              <a:defRPr sz="2000" b="1"/>
+            </a:lvl2pPr>
+            <a:lvl3pPr marL="914400" indent="0">
+              <a:buNone/>
+              <a:defRPr sz="1800" b="1"/>
+            </a:lvl3pPr>
+            <a:lvl4pPr marL="1371600" indent="0">
+              <a:buNone/>
+              <a:defRPr sz="1600" b="1"/>
+            </a:lvl4pPr>
+            <a:lvl5pPr marL="1828800" indent="0">
+              <a:buNone/>
+              <a:defRPr sz="1600" b="1"/>
+            </a:lvl5pPr>
+            <a:lvl6pPr marL="2286000" indent="0">
+              <a:buNone/>
+              <a:defRPr sz="1600" b="1"/>
+            </a:lvl6pPr>
+            <a:lvl7pPr marL="2743200" indent="0">
+              <a:buNone/>
+              <a:defRPr sz="1600" b="1"/>
+            </a:lvl7pPr>
+            <a:lvl8pPr marL="3200400" indent="0">
+              <a:buNone/>
+              <a:defRPr sz="1600" b="1"/>
+            </a:lvl8pPr>
+            <a:lvl9pPr marL="3657600" indent="0">
+              <a:buNone/>
+              <a:defRPr sz="1600" b="1"/>
+            </a:lvl9pPr>
+          </a:lstStyle>
+          <a:p>
+            <a:pPr lvl="0"/>
+            <a:r>
+              <a:rPr lang="en-US" dirty="0"/>
+              <a:t>Click to edit Master text styles</a:t>
+            </a:r>
+          </a:p>
+        </p:txBody>
+      </p:sp>
+    </p:spTree>
+    <p:extLst>
+      <p:ext uri="{BB962C8B-B14F-4D97-AF65-F5344CB8AC3E}">
+        <p14:creationId xmlns:p14="http://schemas.microsoft.com/office/powerpoint/2010/main" val="1184159592"/>
+      </p:ext>
+    </p:extLst>
+  </p:cSld>
+  <p:clrMapOvr>
+    <a:masterClrMapping/>
+  </p:clrMapOvr>
+</p:sldLayout>
+</file>
+
+<file path=ppt/slideLayouts/slideLayout7.xml><?xml version="1.0" encoding="utf-8"?>
+<p:sldLayout xmlns:a="http://schemas.openxmlformats.org/drawingml/2006/main" xmlns:r="http://schemas.openxmlformats.org/officeDocument/2006/relationships" xmlns:p="http://schemas.openxmlformats.org/presentationml/2006/main" preserve="1" userDrawn="1">
+  <p:cSld name="two_content_header_text_backup">
+    <p:spTree>
+      <p:nvGrpSpPr>
+        <p:cNvPr id="1" name=""/>
+        <p:cNvGrpSpPr/>
+        <p:nvPr/>
+      </p:nvGrpSpPr>
+      <p:grpSpPr>
+        <a:xfrm>
+          <a:off x="0" y="0"/>
+          <a:ext cx="0" cy="0"/>
+          <a:chOff x="0" y="0"/>
+          <a:chExt cx="0" cy="0"/>
+        </a:xfrm>
+      </p:grpSpPr>
+      <p:pic>
+        <p:nvPicPr>
+          <p:cNvPr id="8" name="Picture 7" descr="slide_background_tall.png"/>
+          <p:cNvPicPr>
+            <a:picLocks noChangeAspect="1"/>
+          </p:cNvPicPr>
+          <p:nvPr userDrawn="1"/>
+        </p:nvPicPr>
+        <p:blipFill>
+          <a:blip r:embed="rId2">
+            <a:extLst>
+              <a:ext uri="{28A0092B-C50C-407E-A947-70E740481C1C}">
+                <a14:useLocalDpi xmlns:a14="http://schemas.microsoft.com/office/drawing/2010/main" val="0"/>
+              </a:ext>
+            </a:extLst>
+          </a:blip>
+          <a:stretch>
+            <a:fillRect/>
+          </a:stretch>
+        </p:blipFill>
+        <p:spPr>
+          <a:xfrm>
+            <a:off x="0" y="-27384"/>
+            <a:ext cx="9144000" cy="1493881"/>
+          </a:xfrm>
+          <a:prstGeom prst="rect">
+            <a:avLst/>
+          </a:prstGeom>
+        </p:spPr>
+      </p:pic>
+      <p:sp>
+        <p:nvSpPr>
+          <p:cNvPr id="2" name="Title 1"/>
+          <p:cNvSpPr>
+            <a:spLocks noGrp="1"/>
+          </p:cNvSpPr>
+          <p:nvPr>
+            <p:ph type="title"/>
+          </p:nvPr>
+        </p:nvSpPr>
+        <p:spPr>
+          <a:xfrm>
+            <a:off x="251520" y="476672"/>
+            <a:ext cx="8640960" cy="778098"/>
+          </a:xfrm>
+        </p:spPr>
+        <p:txBody>
+          <a:bodyPr/>
+          <a:lstStyle>
+            <a:lvl1pPr>
+              <a:lnSpc>
+                <a:spcPct val="80000"/>
+              </a:lnSpc>
+              <a:defRPr/>
+            </a:lvl1pPr>
+          </a:lstStyle>
+          <a:p>
+            <a:r>
+              <a:rPr lang="en-US" dirty="0"/>
+              <a:t>Click to edit Master title style</a:t>
+            </a:r>
+            <a:endParaRPr lang="en-GB" dirty="0"/>
+          </a:p>
+        </p:txBody>
+      </p:sp>
+      <p:sp>
+        <p:nvSpPr>
+          <p:cNvPr id="3" name="Content Placeholder 2"/>
+          <p:cNvSpPr>
+            <a:spLocks noGrp="1"/>
+          </p:cNvSpPr>
+          <p:nvPr>
+            <p:ph sz="half" idx="1"/>
+          </p:nvPr>
+        </p:nvSpPr>
+        <p:spPr>
+          <a:xfrm>
+            <a:off x="251520" y="2204864"/>
+            <a:ext cx="4244280" cy="4032448"/>
+          </a:xfrm>
+          <a:prstGeom prst="rect">
+            <a:avLst/>
+          </a:prstGeom>
+        </p:spPr>
+        <p:txBody>
           <a:bodyPr>
             <a:normAutofit/>
           </a:bodyPr>
@@ -2821,7 +3578,7 @@
           <a:p>
             <a:fld id="{7BA53915-059E-FD4B-A198-BD5AD9F97206}" type="datetime1">
               <a:rPr lang="en-US" smtClean="0"/>
-              <a:t>7/21/19</a:t>
+              <a:t>12/27/20</a:t>
             </a:fld>
             <a:endParaRPr lang="en-GB"/>
           </a:p>
@@ -2967,18 +3724,24 @@
       </p:sp>
       <p:sp>
         <p:nvSpPr>
-          <p:cNvPr id="11" name="Text Placeholder 2"/>
-          <p:cNvSpPr>
-            <a:spLocks noGrp="1"/>
-          </p:cNvSpPr>
-          <p:nvPr>
-            <p:ph type="body" idx="14"/>
-          </p:nvPr>
-        </p:nvSpPr>
-        <p:spPr>
-          <a:xfrm>
-            <a:off x="251520" y="1535113"/>
-            <a:ext cx="4245868" cy="639762"/>
+          <p:cNvPr id="13" name="Text Placeholder 4">
+            <a:extLst>
+              <a:ext uri="{FF2B5EF4-FFF2-40B4-BE49-F238E27FC236}">
+                <a16:creationId xmlns:a16="http://schemas.microsoft.com/office/drawing/2014/main" id="{7B3A2247-8042-084E-8974-524A230C9582}"/>
+              </a:ext>
+            </a:extLst>
+          </p:cNvPr>
+          <p:cNvSpPr>
+            <a:spLocks noGrp="1"/>
+          </p:cNvSpPr>
+          <p:nvPr>
+            <p:ph type="body" sz="quarter" idx="15"/>
+          </p:nvPr>
+        </p:nvSpPr>
+        <p:spPr>
+          <a:xfrm>
+            <a:off x="4645025" y="1484784"/>
+            <a:ext cx="4247455" cy="639762"/>
           </a:xfrm>
           <a:prstGeom prst="rect">
             <a:avLst/>
@@ -3035,18 +3798,24 @@
       </p:sp>
       <p:sp>
         <p:nvSpPr>
-          <p:cNvPr id="12" name="Text Placeholder 4"/>
-          <p:cNvSpPr>
-            <a:spLocks noGrp="1"/>
-          </p:cNvSpPr>
-          <p:nvPr>
-            <p:ph type="body" sz="quarter" idx="3"/>
-          </p:nvPr>
-        </p:nvSpPr>
-        <p:spPr>
-          <a:xfrm>
-            <a:off x="4645025" y="1535113"/>
-            <a:ext cx="4247455" cy="639762"/>
+          <p:cNvPr id="14" name="Text Placeholder 2">
+            <a:extLst>
+              <a:ext uri="{FF2B5EF4-FFF2-40B4-BE49-F238E27FC236}">
+                <a16:creationId xmlns:a16="http://schemas.microsoft.com/office/drawing/2014/main" id="{3749FA58-F2E5-B949-919F-958B0C335830}"/>
+              </a:ext>
+            </a:extLst>
+          </p:cNvPr>
+          <p:cNvSpPr>
+            <a:spLocks noGrp="1"/>
+          </p:cNvSpPr>
+          <p:nvPr>
+            <p:ph type="body" idx="16"/>
+          </p:nvPr>
+        </p:nvSpPr>
+        <p:spPr>
+          <a:xfrm>
+            <a:off x="251520" y="1505583"/>
+            <a:ext cx="4245868" cy="639762"/>
           </a:xfrm>
           <a:prstGeom prst="rect">
             <a:avLst/>
@@ -3114,7 +3883,7 @@
 </p:sldLayout>
 </file>
 
-<file path=ppt/slideLayouts/slideLayout7.xml><?xml version="1.0" encoding="utf-8"?>
+<file path=ppt/slideLayouts/slideLayout8.xml><?xml version="1.0" encoding="utf-8"?>
 <p:sldLayout xmlns:a="http://schemas.openxmlformats.org/drawingml/2006/main" xmlns:r="http://schemas.openxmlformats.org/officeDocument/2006/relationships" xmlns:p="http://schemas.openxmlformats.org/presentationml/2006/main" preserve="1" userDrawn="1">
   <p:cSld name="two_content_list">
     <p:spTree>
@@ -3398,7 +4167,7 @@
           <a:p>
             <a:fld id="{F7C6CE28-510F-5240-BB2D-5CAA84033ED0}" type="datetime1">
               <a:rPr lang="en-US" smtClean="0"/>
-              <a:t>7/21/19</a:t>
+              <a:t>12/27/20</a:t>
             </a:fld>
             <a:endParaRPr lang="en-GB"/>
           </a:p>
@@ -3555,7 +4324,7 @@
 </p:sldLayout>
 </file>
 
-<file path=ppt/slideLayouts/slideLayout8.xml><?xml version="1.0" encoding="utf-8"?>
+<file path=ppt/slideLayouts/slideLayout9.xml><?xml version="1.0" encoding="utf-8"?>
 <p:sldLayout xmlns:a="http://schemas.openxmlformats.org/drawingml/2006/main" xmlns:r="http://schemas.openxmlformats.org/officeDocument/2006/relationships" xmlns:p="http://schemas.openxmlformats.org/presentationml/2006/main" preserve="1" userDrawn="1">
   <p:cSld name="two_content_text">
     <p:spTree>
@@ -3849,7 +4618,7 @@
           <a:p>
             <a:fld id="{DC8473B6-9DB1-6841-865B-A1275004FC4D}" type="datetime1">
               <a:rPr lang="en-US" smtClean="0"/>
-              <a:t>7/21/19</a:t>
+              <a:t>12/27/20</a:t>
             </a:fld>
             <a:endParaRPr lang="en-GB"/>
           </a:p>
@@ -3997,180 +4766,6 @@
     <p:extLst>
       <p:ext uri="{BB962C8B-B14F-4D97-AF65-F5344CB8AC3E}">
         <p14:creationId xmlns:p14="http://schemas.microsoft.com/office/powerpoint/2010/main" val="1081592783"/>
-      </p:ext>
-    </p:extLst>
-  </p:cSld>
-  <p:clrMapOvr>
-    <a:masterClrMapping/>
-  </p:clrMapOvr>
-</p:sldLayout>
-</file>
-
-<file path=ppt/slideLayouts/slideLayout9.xml><?xml version="1.0" encoding="utf-8"?>
-<p:sldLayout xmlns:a="http://schemas.openxmlformats.org/drawingml/2006/main" xmlns:r="http://schemas.openxmlformats.org/officeDocument/2006/relationships" xmlns:p="http://schemas.openxmlformats.org/presentationml/2006/main" preserve="1" userDrawn="1">
-  <p:cSld name="title_only">
-    <p:spTree>
-      <p:nvGrpSpPr>
-        <p:cNvPr id="1" name=""/>
-        <p:cNvGrpSpPr/>
-        <p:nvPr/>
-      </p:nvGrpSpPr>
-      <p:grpSpPr>
-        <a:xfrm>
-          <a:off x="0" y="0"/>
-          <a:ext cx="0" cy="0"/>
-          <a:chOff x="0" y="0"/>
-          <a:chExt cx="0" cy="0"/>
-        </a:xfrm>
-      </p:grpSpPr>
-      <p:pic>
-        <p:nvPicPr>
-          <p:cNvPr id="6" name="Picture 5" descr="slide_background_tall.png"/>
-          <p:cNvPicPr>
-            <a:picLocks noChangeAspect="1"/>
-          </p:cNvPicPr>
-          <p:nvPr userDrawn="1"/>
-        </p:nvPicPr>
-        <p:blipFill>
-          <a:blip r:embed="rId2">
-            <a:extLst>
-              <a:ext uri="{28A0092B-C50C-407E-A947-70E740481C1C}">
-                <a14:useLocalDpi xmlns:a14="http://schemas.microsoft.com/office/drawing/2010/main" val="0"/>
-              </a:ext>
-            </a:extLst>
-          </a:blip>
-          <a:stretch>
-            <a:fillRect/>
-          </a:stretch>
-        </p:blipFill>
-        <p:spPr>
-          <a:xfrm>
-            <a:off x="0" y="-27384"/>
-            <a:ext cx="9144000" cy="1493881"/>
-          </a:xfrm>
-          <a:prstGeom prst="rect">
-            <a:avLst/>
-          </a:prstGeom>
-        </p:spPr>
-      </p:pic>
-      <p:sp>
-        <p:nvSpPr>
-          <p:cNvPr id="2" name="Title 1"/>
-          <p:cNvSpPr>
-            <a:spLocks noGrp="1"/>
-          </p:cNvSpPr>
-          <p:nvPr>
-            <p:ph type="title"/>
-          </p:nvPr>
-        </p:nvSpPr>
-        <p:spPr/>
-        <p:txBody>
-          <a:bodyPr/>
-          <a:lstStyle>
-            <a:lvl1pPr>
-              <a:lnSpc>
-                <a:spcPct val="80000"/>
-              </a:lnSpc>
-              <a:defRPr/>
-            </a:lvl1pPr>
-          </a:lstStyle>
-          <a:p>
-            <a:r>
-              <a:rPr lang="en-US" dirty="0"/>
-              <a:t>Click to edit Master title style</a:t>
-            </a:r>
-            <a:endParaRPr lang="en-GB" dirty="0"/>
-          </a:p>
-        </p:txBody>
-      </p:sp>
-      <p:sp>
-        <p:nvSpPr>
-          <p:cNvPr id="3" name="Date Placeholder 2"/>
-          <p:cNvSpPr>
-            <a:spLocks noGrp="1"/>
-          </p:cNvSpPr>
-          <p:nvPr>
-            <p:ph type="dt" sz="half" idx="10"/>
-          </p:nvPr>
-        </p:nvSpPr>
-        <p:spPr>
-          <a:xfrm>
-            <a:off x="251520" y="6356350"/>
-            <a:ext cx="720080" cy="365125"/>
-          </a:xfrm>
-        </p:spPr>
-        <p:txBody>
-          <a:bodyPr/>
-          <a:lstStyle/>
-          <a:p>
-            <a:fld id="{D871C1FE-9025-5C49-BA5C-C24D6151D8FF}" type="datetime1">
-              <a:rPr lang="en-US" smtClean="0"/>
-              <a:t>7/21/19</a:t>
-            </a:fld>
-            <a:endParaRPr lang="en-GB"/>
-          </a:p>
-        </p:txBody>
-      </p:sp>
-      <p:sp>
-        <p:nvSpPr>
-          <p:cNvPr id="4" name="Footer Placeholder 3"/>
-          <p:cNvSpPr>
-            <a:spLocks noGrp="1"/>
-          </p:cNvSpPr>
-          <p:nvPr>
-            <p:ph type="ftr" sz="quarter" idx="11"/>
-          </p:nvPr>
-        </p:nvSpPr>
-        <p:spPr>
-          <a:xfrm>
-            <a:off x="1043608" y="6356350"/>
-            <a:ext cx="7056784" cy="365125"/>
-          </a:xfrm>
-        </p:spPr>
-        <p:txBody>
-          <a:bodyPr/>
-          <a:lstStyle>
-            <a:lvl1pPr algn="l">
-              <a:defRPr/>
-            </a:lvl1pPr>
-          </a:lstStyle>
-          <a:p>
-            <a:endParaRPr lang="en-GB" dirty="0"/>
-          </a:p>
-        </p:txBody>
-      </p:sp>
-      <p:sp>
-        <p:nvSpPr>
-          <p:cNvPr id="5" name="Slide Number Placeholder 4"/>
-          <p:cNvSpPr>
-            <a:spLocks noGrp="1"/>
-          </p:cNvSpPr>
-          <p:nvPr>
-            <p:ph type="sldNum" sz="quarter" idx="12"/>
-          </p:nvPr>
-        </p:nvSpPr>
-        <p:spPr>
-          <a:xfrm>
-            <a:off x="8172400" y="6356350"/>
-            <a:ext cx="720080" cy="365125"/>
-          </a:xfrm>
-        </p:spPr>
-        <p:txBody>
-          <a:bodyPr/>
-          <a:lstStyle/>
-          <a:p>
-            <a:fld id="{8DADB20D-508E-4C6D-A9E4-257D5607B0F6}" type="slidenum">
-              <a:rPr lang="en-GB" smtClean="0"/>
-              <a:t>‹#›</a:t>
-            </a:fld>
-            <a:endParaRPr lang="en-GB"/>
-          </a:p>
-        </p:txBody>
-      </p:sp>
-    </p:spTree>
-    <p:extLst>
-      <p:ext uri="{BB962C8B-B14F-4D97-AF65-F5344CB8AC3E}">
-        <p14:creationId xmlns:p14="http://schemas.microsoft.com/office/powerpoint/2010/main" val="1385807973"/>
       </p:ext>
     </p:extLst>
   </p:cSld>
@@ -4332,7 +4927,7 @@
           <a:p>
             <a:fld id="{13B1BC43-4B43-954F-8BAE-86993A84B7B7}" type="datetime1">
               <a:rPr lang="en-US" smtClean="0"/>
-              <a:t>7/21/19</a:t>
+              <a:t>12/27/20</a:t>
             </a:fld>
             <a:endParaRPr lang="en-GB" dirty="0"/>
           </a:p>
@@ -4430,11 +5025,12 @@
     <p:sldLayoutId id="2147483661" r:id="rId3"/>
     <p:sldLayoutId id="2147483660" r:id="rId4"/>
     <p:sldLayoutId id="2147483652" r:id="rId5"/>
-    <p:sldLayoutId id="2147483658" r:id="rId6"/>
-    <p:sldLayoutId id="2147483657" r:id="rId7"/>
-    <p:sldLayoutId id="2147483659" r:id="rId8"/>
-    <p:sldLayoutId id="2147483654" r:id="rId9"/>
-    <p:sldLayoutId id="2147483655" r:id="rId10"/>
+    <p:sldLayoutId id="2147483662" r:id="rId6"/>
+    <p:sldLayoutId id="2147483658" r:id="rId7"/>
+    <p:sldLayoutId id="2147483657" r:id="rId8"/>
+    <p:sldLayoutId id="2147483659" r:id="rId9"/>
+    <p:sldLayoutId id="2147483654" r:id="rId10"/>
+    <p:sldLayoutId id="2147483655" r:id="rId11"/>
   </p:sldLayoutIdLst>
   <p:hf hdr="0" ftr="0"/>
   <p:txStyles>
